--- a/Image/algo_conv11.pptx
+++ b/Image/algo_conv11.pptx
@@ -104,6 +104,11 @@
       </a:defRPr>
     </a:lvl9pPr>
   </p:defaultTextStyle>
+  <p:extLst>
+    <p:ext uri="{EFAFB233-063F-42B5-8137-9DF3F51BA10A}">
+      <p15:sldGuideLst xmlns:p15="http://schemas.microsoft.com/office/powerpoint/2012/main"/>
+    </p:ext>
+  </p:extLst>
 </p:presentation>
 </file>
 
@@ -4349,7 +4354,7 @@
         </p:nvCxnSpPr>
         <p:spPr>
           <a:xfrm>
-            <a:off x="-4375" y="6335879"/>
+            <a:off x="-17" y="6414068"/>
             <a:ext cx="667949" cy="0"/>
           </a:xfrm>
           <a:prstGeom prst="straightConnector1">
@@ -4388,7 +4393,7 @@
         </p:nvSpPr>
         <p:spPr>
           <a:xfrm>
-            <a:off x="702125" y="5831642"/>
+            <a:off x="706500" y="6512496"/>
             <a:ext cx="1223715" cy="369332"/>
           </a:xfrm>
           <a:prstGeom prst="rect">
@@ -4495,8 +4500,8 @@
           </a:p>
         </p:txBody>
       </p:sp>
-      <mc:AlternateContent xmlns:mc="http://schemas.openxmlformats.org/markup-compatibility/2006">
-        <mc:Choice xmlns:a14="http://schemas.microsoft.com/office/drawing/2010/main" Requires="a14">
+      <mc:AlternateContent xmlns:mc="http://schemas.openxmlformats.org/markup-compatibility/2006" xmlns:a14="http://schemas.microsoft.com/office/drawing/2010/main">
+        <mc:Choice Requires="a14">
           <p:sp>
             <p:nvSpPr>
               <p:cNvPr id="74" name="ZoneTexte 73">
@@ -4525,6 +4530,7 @@
               </a:bodyPr>
               <a:lstStyle/>
               <a:p>
+                <a:pPr/>
                 <a14:m>
                   <m:oMathPara xmlns:m="http://schemas.openxmlformats.org/officeDocument/2006/math">
                     <m:oMathParaPr>
@@ -4570,7 +4576,7 @@
             </p:txBody>
           </p:sp>
         </mc:Choice>
-        <mc:Fallback>
+        <mc:Fallback xmlns="">
           <p:sp>
             <p:nvSpPr>
               <p:cNvPr id="74" name="ZoneTexte 73">
@@ -4709,8 +4715,8 @@
           </a:p>
         </p:txBody>
       </p:sp>
-      <mc:AlternateContent xmlns:mc="http://schemas.openxmlformats.org/markup-compatibility/2006">
-        <mc:Choice xmlns:a14="http://schemas.microsoft.com/office/drawing/2010/main" Requires="a14">
+      <mc:AlternateContent xmlns:mc="http://schemas.openxmlformats.org/markup-compatibility/2006" xmlns:a14="http://schemas.microsoft.com/office/drawing/2010/main">
+        <mc:Choice Requires="a14">
           <p:sp>
             <p:nvSpPr>
               <p:cNvPr id="80" name="ZoneTexte 79">
@@ -4785,7 +4791,7 @@
             </p:txBody>
           </p:sp>
         </mc:Choice>
-        <mc:Fallback>
+        <mc:Fallback xmlns="">
           <p:sp>
             <p:nvSpPr>
               <p:cNvPr id="80" name="ZoneTexte 79">
@@ -4830,8 +4836,8 @@
           </p:sp>
         </mc:Fallback>
       </mc:AlternateContent>
-      <mc:AlternateContent xmlns:mc="http://schemas.openxmlformats.org/markup-compatibility/2006">
-        <mc:Choice xmlns:a14="http://schemas.microsoft.com/office/drawing/2010/main" Requires="a14">
+      <mc:AlternateContent xmlns:mc="http://schemas.openxmlformats.org/markup-compatibility/2006" xmlns:a14="http://schemas.microsoft.com/office/drawing/2010/main">
+        <mc:Choice Requires="a14">
           <p:sp>
             <p:nvSpPr>
               <p:cNvPr id="82" name="ZoneTexte 81">
@@ -4925,7 +4931,7 @@
             </p:txBody>
           </p:sp>
         </mc:Choice>
-        <mc:Fallback>
+        <mc:Fallback xmlns="">
           <p:sp>
             <p:nvSpPr>
               <p:cNvPr id="82" name="ZoneTexte 81">
@@ -4970,8 +4976,8 @@
           </p:sp>
         </mc:Fallback>
       </mc:AlternateContent>
-      <mc:AlternateContent xmlns:mc="http://schemas.openxmlformats.org/markup-compatibility/2006">
-        <mc:Choice xmlns:a14="http://schemas.microsoft.com/office/drawing/2010/main" Requires="a14">
+      <mc:AlternateContent xmlns:mc="http://schemas.openxmlformats.org/markup-compatibility/2006" xmlns:a14="http://schemas.microsoft.com/office/drawing/2010/main">
+        <mc:Choice Requires="a14">
           <p:sp>
             <p:nvSpPr>
               <p:cNvPr id="84" name="ZoneTexte 83">
@@ -5019,7 +5025,7 @@
             </p:txBody>
           </p:sp>
         </mc:Choice>
-        <mc:Fallback>
+        <mc:Fallback xmlns="">
           <p:sp>
             <p:nvSpPr>
               <p:cNvPr id="84" name="ZoneTexte 83">
@@ -5064,8 +5070,8 @@
           </p:sp>
         </mc:Fallback>
       </mc:AlternateContent>
-      <mc:AlternateContent xmlns:mc="http://schemas.openxmlformats.org/markup-compatibility/2006">
-        <mc:Choice xmlns:a14="http://schemas.microsoft.com/office/drawing/2010/main" Requires="a14">
+      <mc:AlternateContent xmlns:mc="http://schemas.openxmlformats.org/markup-compatibility/2006" xmlns:a14="http://schemas.microsoft.com/office/drawing/2010/main">
+        <mc:Choice Requires="a14">
           <p:sp>
             <p:nvSpPr>
               <p:cNvPr id="85" name="Ellipse 84">
@@ -5134,7 +5140,7 @@
             </p:txBody>
           </p:sp>
         </mc:Choice>
-        <mc:Fallback>
+        <mc:Fallback xmlns="">
           <p:sp>
             <p:nvSpPr>
               <p:cNvPr id="85" name="Ellipse 84">
@@ -5245,7 +5251,7 @@
         </p:nvCxnSpPr>
         <p:spPr>
           <a:xfrm flipV="1">
-            <a:off x="-35356" y="6632208"/>
+            <a:off x="-15508" y="6125728"/>
             <a:ext cx="698929" cy="1"/>
           </a:xfrm>
           <a:prstGeom prst="straightConnector1">
@@ -5284,7 +5290,7 @@
         </p:nvSpPr>
         <p:spPr>
           <a:xfrm>
-            <a:off x="663573" y="6447542"/>
+            <a:off x="698100" y="5916220"/>
             <a:ext cx="1223715" cy="369332"/>
           </a:xfrm>
           <a:prstGeom prst="rect">
@@ -5466,7 +5472,7 @@
         </p:nvCxnSpPr>
         <p:spPr>
           <a:xfrm>
-            <a:off x="-4375" y="6021554"/>
+            <a:off x="0" y="6702408"/>
             <a:ext cx="667949" cy="0"/>
           </a:xfrm>
           <a:prstGeom prst="straightConnector1">
@@ -5505,7 +5511,7 @@
         </p:nvSpPr>
         <p:spPr>
           <a:xfrm>
-            <a:off x="702125" y="6156826"/>
+            <a:off x="721179" y="6229402"/>
             <a:ext cx="1223715" cy="369332"/>
           </a:xfrm>
           <a:prstGeom prst="rect">
